--- a/screenshots2.pptx
+++ b/screenshots2.pptx
@@ -13,6 +13,7 @@
     <p:sldId id="261" r:id="rId7"/>
     <p:sldId id="262" r:id="rId8"/>
     <p:sldId id="263" r:id="rId9"/>
+    <p:sldId id="264" r:id="rId10"/>
   </p:sldIdLst>
   <p:sldSz cx="12192000" cy="6858000"/>
   <p:notesSz cx="6858000" cy="9144000"/>
@@ -4181,6 +4182,1085 @@
 </p:sld>
 </file>
 
+<file path=ppt/slides/slide9.xml><?xml version="1.0" encoding="utf-8"?>
+<p:sld xmlns:a="http://schemas.openxmlformats.org/drawingml/2006/main" xmlns:r="http://schemas.openxmlformats.org/officeDocument/2006/relationships" xmlns:p="http://schemas.openxmlformats.org/presentationml/2006/main">
+  <p:cSld>
+    <p:spTree>
+      <p:nvGrpSpPr>
+        <p:cNvPr id="1" name=""/>
+        <p:cNvGrpSpPr/>
+        <p:nvPr/>
+      </p:nvGrpSpPr>
+      <p:grpSpPr>
+        <a:xfrm>
+          <a:off x="0" y="0"/>
+          <a:ext cx="0" cy="0"/>
+          <a:chOff x="0" y="0"/>
+          <a:chExt cx="0" cy="0"/>
+        </a:xfrm>
+      </p:grpSpPr>
+      <p:grpSp>
+        <p:nvGrpSpPr>
+          <p:cNvPr id="68" name="Group 67">
+            <a:extLst>
+              <a:ext uri="{FF2B5EF4-FFF2-40B4-BE49-F238E27FC236}">
+                <a16:creationId xmlns:a16="http://schemas.microsoft.com/office/drawing/2014/main" id="{F91A2511-75FC-BB5B-2573-40465547E512}"/>
+              </a:ext>
+            </a:extLst>
+          </p:cNvPr>
+          <p:cNvGrpSpPr/>
+          <p:nvPr/>
+        </p:nvGrpSpPr>
+        <p:grpSpPr>
+          <a:xfrm>
+            <a:off x="1043873" y="347958"/>
+            <a:ext cx="5648240" cy="6260345"/>
+            <a:chOff x="1043873" y="347958"/>
+            <a:chExt cx="5648240" cy="6260345"/>
+          </a:xfrm>
+        </p:grpSpPr>
+        <p:pic>
+          <p:nvPicPr>
+            <p:cNvPr id="5" name="Picture 4">
+              <a:extLst>
+                <a:ext uri="{FF2B5EF4-FFF2-40B4-BE49-F238E27FC236}">
+                  <a16:creationId xmlns:a16="http://schemas.microsoft.com/office/drawing/2014/main" id="{197E5C02-2E52-943C-A3F1-781D25E20ED8}"/>
+                </a:ext>
+              </a:extLst>
+            </p:cNvPr>
+            <p:cNvPicPr>
+              <a:picLocks noChangeAspect="1"/>
+            </p:cNvPicPr>
+            <p:nvPr/>
+          </p:nvPicPr>
+          <p:blipFill>
+            <a:blip r:embed="rId2"/>
+            <a:stretch>
+              <a:fillRect/>
+            </a:stretch>
+          </p:blipFill>
+          <p:spPr>
+            <a:xfrm>
+              <a:off x="1156764" y="400509"/>
+              <a:ext cx="5535349" cy="6207794"/>
+            </a:xfrm>
+            <a:prstGeom prst="rect">
+              <a:avLst/>
+            </a:prstGeom>
+          </p:spPr>
+        </p:pic>
+        <p:cxnSp>
+          <p:nvCxnSpPr>
+            <p:cNvPr id="23" name="Straight Connector 22">
+              <a:extLst>
+                <a:ext uri="{FF2B5EF4-FFF2-40B4-BE49-F238E27FC236}">
+                  <a16:creationId xmlns:a16="http://schemas.microsoft.com/office/drawing/2014/main" id="{1A89E8BB-4D67-F135-92DE-5DF00247463E}"/>
+                </a:ext>
+              </a:extLst>
+            </p:cNvPr>
+            <p:cNvCxnSpPr>
+              <a:cxnSpLocks/>
+            </p:cNvCxnSpPr>
+            <p:nvPr/>
+          </p:nvCxnSpPr>
+          <p:spPr>
+            <a:xfrm flipH="1">
+              <a:off x="1302652" y="5574900"/>
+              <a:ext cx="958320" cy="0"/>
+            </a:xfrm>
+            <a:prstGeom prst="line">
+              <a:avLst/>
+            </a:prstGeom>
+            <a:ln w="6350">
+              <a:solidFill>
+                <a:srgbClr val="FFFF00"/>
+              </a:solidFill>
+            </a:ln>
+          </p:spPr>
+          <p:style>
+            <a:lnRef idx="2">
+              <a:schemeClr val="accent4"/>
+            </a:lnRef>
+            <a:fillRef idx="0">
+              <a:schemeClr val="accent4"/>
+            </a:fillRef>
+            <a:effectRef idx="1">
+              <a:schemeClr val="accent4"/>
+            </a:effectRef>
+            <a:fontRef idx="minor">
+              <a:schemeClr val="tx1"/>
+            </a:fontRef>
+          </p:style>
+        </p:cxnSp>
+        <p:cxnSp>
+          <p:nvCxnSpPr>
+            <p:cNvPr id="27" name="Straight Connector 26">
+              <a:extLst>
+                <a:ext uri="{FF2B5EF4-FFF2-40B4-BE49-F238E27FC236}">
+                  <a16:creationId xmlns:a16="http://schemas.microsoft.com/office/drawing/2014/main" id="{136ECF97-E819-1493-CCA9-5B45A27D5FA8}"/>
+                </a:ext>
+              </a:extLst>
+            </p:cNvPr>
+            <p:cNvCxnSpPr>
+              <a:cxnSpLocks/>
+            </p:cNvCxnSpPr>
+            <p:nvPr/>
+          </p:nvCxnSpPr>
+          <p:spPr>
+            <a:xfrm flipH="1">
+              <a:off x="1289688" y="5287625"/>
+              <a:ext cx="958320" cy="0"/>
+            </a:xfrm>
+            <a:prstGeom prst="line">
+              <a:avLst/>
+            </a:prstGeom>
+            <a:ln w="6350">
+              <a:solidFill>
+                <a:srgbClr val="FFFF00"/>
+              </a:solidFill>
+            </a:ln>
+          </p:spPr>
+          <p:style>
+            <a:lnRef idx="2">
+              <a:schemeClr val="accent4"/>
+            </a:lnRef>
+            <a:fillRef idx="0">
+              <a:schemeClr val="accent4"/>
+            </a:fillRef>
+            <a:effectRef idx="1">
+              <a:schemeClr val="accent4"/>
+            </a:effectRef>
+            <a:fontRef idx="minor">
+              <a:schemeClr val="tx1"/>
+            </a:fontRef>
+          </p:style>
+        </p:cxnSp>
+        <p:grpSp>
+          <p:nvGrpSpPr>
+            <p:cNvPr id="32" name="Group 31">
+              <a:extLst>
+                <a:ext uri="{FF2B5EF4-FFF2-40B4-BE49-F238E27FC236}">
+                  <a16:creationId xmlns:a16="http://schemas.microsoft.com/office/drawing/2014/main" id="{50C65CE3-B6B6-49B7-6086-0100D5CE0AB5}"/>
+                </a:ext>
+              </a:extLst>
+            </p:cNvPr>
+            <p:cNvGrpSpPr/>
+            <p:nvPr/>
+          </p:nvGrpSpPr>
+          <p:grpSpPr>
+            <a:xfrm>
+              <a:off x="1212745" y="3918326"/>
+              <a:ext cx="529184" cy="1713089"/>
+              <a:chOff x="1197337" y="4537237"/>
+              <a:chExt cx="485124" cy="1318941"/>
+            </a:xfrm>
+          </p:grpSpPr>
+          <p:pic>
+            <p:nvPicPr>
+              <p:cNvPr id="6" name="Picture 5">
+                <a:extLst>
+                  <a:ext uri="{FF2B5EF4-FFF2-40B4-BE49-F238E27FC236}">
+                    <a16:creationId xmlns:a16="http://schemas.microsoft.com/office/drawing/2014/main" id="{6FF24F82-864B-6597-6852-BA9061F1FFF1}"/>
+                  </a:ext>
+                </a:extLst>
+              </p:cNvPr>
+              <p:cNvPicPr>
+                <a:picLocks noChangeAspect="1"/>
+              </p:cNvPicPr>
+              <p:nvPr/>
+            </p:nvPicPr>
+            <p:blipFill>
+              <a:blip r:embed="rId2"/>
+              <a:stretch>
+                <a:fillRect/>
+              </a:stretch>
+            </p:blipFill>
+            <p:spPr>
+              <a:xfrm>
+                <a:off x="1197566" y="5558308"/>
+                <a:ext cx="484895" cy="297870"/>
+              </a:xfrm>
+              <a:prstGeom prst="rect">
+                <a:avLst/>
+              </a:prstGeom>
+              <a:ln w="6350">
+                <a:solidFill>
+                  <a:schemeClr val="bg1"/>
+                </a:solidFill>
+              </a:ln>
+            </p:spPr>
+          </p:pic>
+          <p:pic>
+            <p:nvPicPr>
+              <p:cNvPr id="8" name="Picture 7">
+                <a:extLst>
+                  <a:ext uri="{FF2B5EF4-FFF2-40B4-BE49-F238E27FC236}">
+                    <a16:creationId xmlns:a16="http://schemas.microsoft.com/office/drawing/2014/main" id="{E027545D-A3FF-B1C0-8621-C84A8212597E}"/>
+                  </a:ext>
+                </a:extLst>
+              </p:cNvPr>
+              <p:cNvPicPr>
+                <a:picLocks noChangeAspect="1"/>
+              </p:cNvPicPr>
+              <p:nvPr/>
+            </p:nvPicPr>
+            <p:blipFill>
+              <a:blip r:embed="rId2"/>
+              <a:stretch>
+                <a:fillRect/>
+              </a:stretch>
+            </p:blipFill>
+            <p:spPr>
+              <a:xfrm>
+                <a:off x="1197534" y="5336475"/>
+                <a:ext cx="484895" cy="297870"/>
+              </a:xfrm>
+              <a:prstGeom prst="rect">
+                <a:avLst/>
+              </a:prstGeom>
+              <a:ln w="6350">
+                <a:solidFill>
+                  <a:schemeClr val="bg1"/>
+                </a:solidFill>
+              </a:ln>
+            </p:spPr>
+          </p:pic>
+          <p:pic>
+            <p:nvPicPr>
+              <p:cNvPr id="9" name="Picture 8">
+                <a:extLst>
+                  <a:ext uri="{FF2B5EF4-FFF2-40B4-BE49-F238E27FC236}">
+                    <a16:creationId xmlns:a16="http://schemas.microsoft.com/office/drawing/2014/main" id="{9EC5135C-36CA-4681-6FA1-FE6B2EB633D6}"/>
+                  </a:ext>
+                </a:extLst>
+              </p:cNvPr>
+              <p:cNvPicPr>
+                <a:picLocks noChangeAspect="1"/>
+              </p:cNvPicPr>
+              <p:nvPr/>
+            </p:nvPicPr>
+            <p:blipFill>
+              <a:blip r:embed="rId2"/>
+              <a:stretch>
+                <a:fillRect/>
+              </a:stretch>
+            </p:blipFill>
+            <p:spPr>
+              <a:xfrm>
+                <a:off x="1197337" y="5144339"/>
+                <a:ext cx="484895" cy="297870"/>
+              </a:xfrm>
+              <a:prstGeom prst="rect">
+                <a:avLst/>
+              </a:prstGeom>
+              <a:ln w="6350">
+                <a:solidFill>
+                  <a:schemeClr val="bg1"/>
+                </a:solidFill>
+              </a:ln>
+            </p:spPr>
+          </p:pic>
+          <p:pic>
+            <p:nvPicPr>
+              <p:cNvPr id="29" name="Picture 28">
+                <a:extLst>
+                  <a:ext uri="{FF2B5EF4-FFF2-40B4-BE49-F238E27FC236}">
+                    <a16:creationId xmlns:a16="http://schemas.microsoft.com/office/drawing/2014/main" id="{8F47AF02-D5F2-C82E-9F71-8762E5463ADB}"/>
+                  </a:ext>
+                </a:extLst>
+              </p:cNvPr>
+              <p:cNvPicPr>
+                <a:picLocks noChangeAspect="1"/>
+              </p:cNvPicPr>
+              <p:nvPr/>
+            </p:nvPicPr>
+            <p:blipFill>
+              <a:blip r:embed="rId2"/>
+              <a:stretch>
+                <a:fillRect/>
+              </a:stretch>
+            </p:blipFill>
+            <p:spPr>
+              <a:xfrm>
+                <a:off x="1197566" y="4943711"/>
+                <a:ext cx="484895" cy="297870"/>
+              </a:xfrm>
+              <a:prstGeom prst="rect">
+                <a:avLst/>
+              </a:prstGeom>
+              <a:ln w="6350">
+                <a:solidFill>
+                  <a:schemeClr val="bg1"/>
+                </a:solidFill>
+              </a:ln>
+            </p:spPr>
+          </p:pic>
+          <p:pic>
+            <p:nvPicPr>
+              <p:cNvPr id="30" name="Picture 29">
+                <a:extLst>
+                  <a:ext uri="{FF2B5EF4-FFF2-40B4-BE49-F238E27FC236}">
+                    <a16:creationId xmlns:a16="http://schemas.microsoft.com/office/drawing/2014/main" id="{B03A53EB-4B00-7449-9EA0-71FF74744A2A}"/>
+                  </a:ext>
+                </a:extLst>
+              </p:cNvPr>
+              <p:cNvPicPr>
+                <a:picLocks noChangeAspect="1"/>
+              </p:cNvPicPr>
+              <p:nvPr/>
+            </p:nvPicPr>
+            <p:blipFill>
+              <a:blip r:embed="rId2"/>
+              <a:stretch>
+                <a:fillRect/>
+              </a:stretch>
+            </p:blipFill>
+            <p:spPr>
+              <a:xfrm>
+                <a:off x="1197534" y="4744363"/>
+                <a:ext cx="484895" cy="297870"/>
+              </a:xfrm>
+              <a:prstGeom prst="rect">
+                <a:avLst/>
+              </a:prstGeom>
+              <a:ln w="6350">
+                <a:solidFill>
+                  <a:schemeClr val="bg1"/>
+                </a:solidFill>
+              </a:ln>
+            </p:spPr>
+          </p:pic>
+          <p:pic>
+            <p:nvPicPr>
+              <p:cNvPr id="31" name="Picture 30">
+                <a:extLst>
+                  <a:ext uri="{FF2B5EF4-FFF2-40B4-BE49-F238E27FC236}">
+                    <a16:creationId xmlns:a16="http://schemas.microsoft.com/office/drawing/2014/main" id="{AAAF40F0-FF9F-C899-FF47-900F94AF7456}"/>
+                  </a:ext>
+                </a:extLst>
+              </p:cNvPr>
+              <p:cNvPicPr>
+                <a:picLocks noChangeAspect="1"/>
+              </p:cNvPicPr>
+              <p:nvPr/>
+            </p:nvPicPr>
+            <p:blipFill>
+              <a:blip r:embed="rId2"/>
+              <a:stretch>
+                <a:fillRect/>
+              </a:stretch>
+            </p:blipFill>
+            <p:spPr>
+              <a:xfrm>
+                <a:off x="1197337" y="4537237"/>
+                <a:ext cx="484895" cy="297870"/>
+              </a:xfrm>
+              <a:prstGeom prst="rect">
+                <a:avLst/>
+              </a:prstGeom>
+              <a:ln w="6350">
+                <a:solidFill>
+                  <a:schemeClr val="bg1"/>
+                </a:solidFill>
+              </a:ln>
+            </p:spPr>
+          </p:pic>
+        </p:grpSp>
+        <p:grpSp>
+          <p:nvGrpSpPr>
+            <p:cNvPr id="33" name="Group 32">
+              <a:extLst>
+                <a:ext uri="{FF2B5EF4-FFF2-40B4-BE49-F238E27FC236}">
+                  <a16:creationId xmlns:a16="http://schemas.microsoft.com/office/drawing/2014/main" id="{4857F51A-BB8B-472E-94B7-FD820F4E4C0C}"/>
+                </a:ext>
+              </a:extLst>
+            </p:cNvPr>
+            <p:cNvGrpSpPr/>
+            <p:nvPr/>
+          </p:nvGrpSpPr>
+          <p:grpSpPr>
+            <a:xfrm>
+              <a:off x="1212018" y="2334785"/>
+              <a:ext cx="529184" cy="1713089"/>
+              <a:chOff x="1197337" y="4537237"/>
+              <a:chExt cx="485124" cy="1318941"/>
+            </a:xfrm>
+          </p:grpSpPr>
+          <p:pic>
+            <p:nvPicPr>
+              <p:cNvPr id="34" name="Picture 33">
+                <a:extLst>
+                  <a:ext uri="{FF2B5EF4-FFF2-40B4-BE49-F238E27FC236}">
+                    <a16:creationId xmlns:a16="http://schemas.microsoft.com/office/drawing/2014/main" id="{1829F5CA-3085-9E57-1B8B-E056A8E5F2AC}"/>
+                  </a:ext>
+                </a:extLst>
+              </p:cNvPr>
+              <p:cNvPicPr>
+                <a:picLocks noChangeAspect="1"/>
+              </p:cNvPicPr>
+              <p:nvPr/>
+            </p:nvPicPr>
+            <p:blipFill>
+              <a:blip r:embed="rId2"/>
+              <a:stretch>
+                <a:fillRect/>
+              </a:stretch>
+            </p:blipFill>
+            <p:spPr>
+              <a:xfrm>
+                <a:off x="1197566" y="5558308"/>
+                <a:ext cx="484895" cy="297870"/>
+              </a:xfrm>
+              <a:prstGeom prst="rect">
+                <a:avLst/>
+              </a:prstGeom>
+              <a:ln w="6350">
+                <a:solidFill>
+                  <a:schemeClr val="bg1"/>
+                </a:solidFill>
+              </a:ln>
+            </p:spPr>
+          </p:pic>
+          <p:pic>
+            <p:nvPicPr>
+              <p:cNvPr id="35" name="Picture 34">
+                <a:extLst>
+                  <a:ext uri="{FF2B5EF4-FFF2-40B4-BE49-F238E27FC236}">
+                    <a16:creationId xmlns:a16="http://schemas.microsoft.com/office/drawing/2014/main" id="{5924B6D5-A860-DE83-97AC-45098CCEA795}"/>
+                  </a:ext>
+                </a:extLst>
+              </p:cNvPr>
+              <p:cNvPicPr>
+                <a:picLocks noChangeAspect="1"/>
+              </p:cNvPicPr>
+              <p:nvPr/>
+            </p:nvPicPr>
+            <p:blipFill>
+              <a:blip r:embed="rId2"/>
+              <a:stretch>
+                <a:fillRect/>
+              </a:stretch>
+            </p:blipFill>
+            <p:spPr>
+              <a:xfrm>
+                <a:off x="1197534" y="5336475"/>
+                <a:ext cx="484895" cy="297870"/>
+              </a:xfrm>
+              <a:prstGeom prst="rect">
+                <a:avLst/>
+              </a:prstGeom>
+              <a:ln w="6350">
+                <a:solidFill>
+                  <a:schemeClr val="bg1"/>
+                </a:solidFill>
+              </a:ln>
+            </p:spPr>
+          </p:pic>
+          <p:pic>
+            <p:nvPicPr>
+              <p:cNvPr id="36" name="Picture 35">
+                <a:extLst>
+                  <a:ext uri="{FF2B5EF4-FFF2-40B4-BE49-F238E27FC236}">
+                    <a16:creationId xmlns:a16="http://schemas.microsoft.com/office/drawing/2014/main" id="{5C0BD333-8162-86EB-5AB1-FE4FC21B021C}"/>
+                  </a:ext>
+                </a:extLst>
+              </p:cNvPr>
+              <p:cNvPicPr>
+                <a:picLocks noChangeAspect="1"/>
+              </p:cNvPicPr>
+              <p:nvPr/>
+            </p:nvPicPr>
+            <p:blipFill>
+              <a:blip r:embed="rId2"/>
+              <a:stretch>
+                <a:fillRect/>
+              </a:stretch>
+            </p:blipFill>
+            <p:spPr>
+              <a:xfrm>
+                <a:off x="1197337" y="5144339"/>
+                <a:ext cx="484895" cy="297870"/>
+              </a:xfrm>
+              <a:prstGeom prst="rect">
+                <a:avLst/>
+              </a:prstGeom>
+              <a:ln w="6350">
+                <a:solidFill>
+                  <a:schemeClr val="bg1"/>
+                </a:solidFill>
+              </a:ln>
+            </p:spPr>
+          </p:pic>
+          <p:pic>
+            <p:nvPicPr>
+              <p:cNvPr id="37" name="Picture 36">
+                <a:extLst>
+                  <a:ext uri="{FF2B5EF4-FFF2-40B4-BE49-F238E27FC236}">
+                    <a16:creationId xmlns:a16="http://schemas.microsoft.com/office/drawing/2014/main" id="{E657B752-0B1C-29D9-A7E2-BCA547BC32A1}"/>
+                  </a:ext>
+                </a:extLst>
+              </p:cNvPr>
+              <p:cNvPicPr>
+                <a:picLocks noChangeAspect="1"/>
+              </p:cNvPicPr>
+              <p:nvPr/>
+            </p:nvPicPr>
+            <p:blipFill>
+              <a:blip r:embed="rId2"/>
+              <a:stretch>
+                <a:fillRect/>
+              </a:stretch>
+            </p:blipFill>
+            <p:spPr>
+              <a:xfrm>
+                <a:off x="1197566" y="4943711"/>
+                <a:ext cx="484895" cy="297870"/>
+              </a:xfrm>
+              <a:prstGeom prst="rect">
+                <a:avLst/>
+              </a:prstGeom>
+              <a:ln w="6350">
+                <a:solidFill>
+                  <a:schemeClr val="bg1"/>
+                </a:solidFill>
+              </a:ln>
+            </p:spPr>
+          </p:pic>
+          <p:pic>
+            <p:nvPicPr>
+              <p:cNvPr id="38" name="Picture 37">
+                <a:extLst>
+                  <a:ext uri="{FF2B5EF4-FFF2-40B4-BE49-F238E27FC236}">
+                    <a16:creationId xmlns:a16="http://schemas.microsoft.com/office/drawing/2014/main" id="{48A7FF40-73EF-2B7F-2628-828FEEED4E0F}"/>
+                  </a:ext>
+                </a:extLst>
+              </p:cNvPr>
+              <p:cNvPicPr>
+                <a:picLocks noChangeAspect="1"/>
+              </p:cNvPicPr>
+              <p:nvPr/>
+            </p:nvPicPr>
+            <p:blipFill>
+              <a:blip r:embed="rId2"/>
+              <a:stretch>
+                <a:fillRect/>
+              </a:stretch>
+            </p:blipFill>
+            <p:spPr>
+              <a:xfrm>
+                <a:off x="1197534" y="4744363"/>
+                <a:ext cx="484895" cy="297870"/>
+              </a:xfrm>
+              <a:prstGeom prst="rect">
+                <a:avLst/>
+              </a:prstGeom>
+              <a:ln w="6350">
+                <a:solidFill>
+                  <a:schemeClr val="bg1"/>
+                </a:solidFill>
+              </a:ln>
+            </p:spPr>
+          </p:pic>
+          <p:pic>
+            <p:nvPicPr>
+              <p:cNvPr id="39" name="Picture 38">
+                <a:extLst>
+                  <a:ext uri="{FF2B5EF4-FFF2-40B4-BE49-F238E27FC236}">
+                    <a16:creationId xmlns:a16="http://schemas.microsoft.com/office/drawing/2014/main" id="{502BA73E-796B-2277-82AB-AC01125A35BB}"/>
+                  </a:ext>
+                </a:extLst>
+              </p:cNvPr>
+              <p:cNvPicPr>
+                <a:picLocks noChangeAspect="1"/>
+              </p:cNvPicPr>
+              <p:nvPr/>
+            </p:nvPicPr>
+            <p:blipFill>
+              <a:blip r:embed="rId2"/>
+              <a:stretch>
+                <a:fillRect/>
+              </a:stretch>
+            </p:blipFill>
+            <p:spPr>
+              <a:xfrm>
+                <a:off x="1197337" y="4537237"/>
+                <a:ext cx="484895" cy="297870"/>
+              </a:xfrm>
+              <a:prstGeom prst="rect">
+                <a:avLst/>
+              </a:prstGeom>
+              <a:ln w="6350">
+                <a:solidFill>
+                  <a:schemeClr val="bg1"/>
+                </a:solidFill>
+              </a:ln>
+            </p:spPr>
+          </p:pic>
+        </p:grpSp>
+        <p:pic>
+          <p:nvPicPr>
+            <p:cNvPr id="41" name="Picture 40">
+              <a:extLst>
+                <a:ext uri="{FF2B5EF4-FFF2-40B4-BE49-F238E27FC236}">
+                  <a16:creationId xmlns:a16="http://schemas.microsoft.com/office/drawing/2014/main" id="{20C803E6-407A-C027-BAD1-30A78278F908}"/>
+                </a:ext>
+              </a:extLst>
+            </p:cNvPr>
+            <p:cNvPicPr>
+              <a:picLocks noChangeAspect="1"/>
+            </p:cNvPicPr>
+            <p:nvPr/>
+          </p:nvPicPr>
+          <p:blipFill>
+            <a:blip r:embed="rId2"/>
+            <a:stretch>
+              <a:fillRect/>
+            </a:stretch>
+          </p:blipFill>
+          <p:spPr>
+            <a:xfrm>
+              <a:off x="1212391" y="2062369"/>
+              <a:ext cx="528934" cy="386884"/>
+            </a:xfrm>
+            <a:prstGeom prst="rect">
+              <a:avLst/>
+            </a:prstGeom>
+            <a:ln w="6350">
+              <a:solidFill>
+                <a:schemeClr val="bg1"/>
+              </a:solidFill>
+            </a:ln>
+          </p:spPr>
+        </p:pic>
+        <p:pic>
+          <p:nvPicPr>
+            <p:cNvPr id="42" name="Picture 41">
+              <a:extLst>
+                <a:ext uri="{FF2B5EF4-FFF2-40B4-BE49-F238E27FC236}">
+                  <a16:creationId xmlns:a16="http://schemas.microsoft.com/office/drawing/2014/main" id="{2447EF41-20C0-E0AC-38CC-7EAADDFC6960}"/>
+                </a:ext>
+              </a:extLst>
+            </p:cNvPr>
+            <p:cNvPicPr>
+              <a:picLocks noChangeAspect="1"/>
+            </p:cNvPicPr>
+            <p:nvPr/>
+          </p:nvPicPr>
+          <p:blipFill>
+            <a:blip r:embed="rId2"/>
+            <a:stretch>
+              <a:fillRect/>
+            </a:stretch>
+          </p:blipFill>
+          <p:spPr>
+            <a:xfrm>
+              <a:off x="1212356" y="1774244"/>
+              <a:ext cx="528934" cy="386884"/>
+            </a:xfrm>
+            <a:prstGeom prst="rect">
+              <a:avLst/>
+            </a:prstGeom>
+            <a:ln w="6350">
+              <a:solidFill>
+                <a:schemeClr val="bg1"/>
+              </a:solidFill>
+            </a:ln>
+          </p:spPr>
+        </p:pic>
+        <p:pic>
+          <p:nvPicPr>
+            <p:cNvPr id="43" name="Picture 42">
+              <a:extLst>
+                <a:ext uri="{FF2B5EF4-FFF2-40B4-BE49-F238E27FC236}">
+                  <a16:creationId xmlns:a16="http://schemas.microsoft.com/office/drawing/2014/main" id="{1ED86505-435B-0765-A63B-52937453A4D5}"/>
+                </a:ext>
+              </a:extLst>
+            </p:cNvPr>
+            <p:cNvPicPr>
+              <a:picLocks noChangeAspect="1"/>
+            </p:cNvPicPr>
+            <p:nvPr/>
+          </p:nvPicPr>
+          <p:blipFill>
+            <a:blip r:embed="rId2"/>
+            <a:stretch>
+              <a:fillRect/>
+            </a:stretch>
+          </p:blipFill>
+          <p:spPr>
+            <a:xfrm>
+              <a:off x="1212141" y="1524691"/>
+              <a:ext cx="528934" cy="386884"/>
+            </a:xfrm>
+            <a:prstGeom prst="rect">
+              <a:avLst/>
+            </a:prstGeom>
+            <a:ln w="6350">
+              <a:solidFill>
+                <a:schemeClr val="bg1"/>
+              </a:solidFill>
+            </a:ln>
+          </p:spPr>
+        </p:pic>
+        <p:pic>
+          <p:nvPicPr>
+            <p:cNvPr id="44" name="Picture 43">
+              <a:extLst>
+                <a:ext uri="{FF2B5EF4-FFF2-40B4-BE49-F238E27FC236}">
+                  <a16:creationId xmlns:a16="http://schemas.microsoft.com/office/drawing/2014/main" id="{2ED8A74B-064E-3FC4-A4EC-6A3C97B57CE9}"/>
+                </a:ext>
+              </a:extLst>
+            </p:cNvPr>
+            <p:cNvPicPr>
+              <a:picLocks noChangeAspect="1"/>
+            </p:cNvPicPr>
+            <p:nvPr/>
+          </p:nvPicPr>
+          <p:blipFill>
+            <a:blip r:embed="rId2"/>
+            <a:stretch>
+              <a:fillRect/>
+            </a:stretch>
+          </p:blipFill>
+          <p:spPr>
+            <a:xfrm>
+              <a:off x="1212391" y="1264108"/>
+              <a:ext cx="528934" cy="386884"/>
+            </a:xfrm>
+            <a:prstGeom prst="rect">
+              <a:avLst/>
+            </a:prstGeom>
+            <a:ln w="6350">
+              <a:solidFill>
+                <a:schemeClr val="bg1"/>
+              </a:solidFill>
+            </a:ln>
+          </p:spPr>
+        </p:pic>
+        <p:pic>
+          <p:nvPicPr>
+            <p:cNvPr id="45" name="Picture 44">
+              <a:extLst>
+                <a:ext uri="{FF2B5EF4-FFF2-40B4-BE49-F238E27FC236}">
+                  <a16:creationId xmlns:a16="http://schemas.microsoft.com/office/drawing/2014/main" id="{D6A90EDB-9D63-304D-369A-DF1AF50241B8}"/>
+                </a:ext>
+              </a:extLst>
+            </p:cNvPr>
+            <p:cNvPicPr>
+              <a:picLocks noChangeAspect="1"/>
+            </p:cNvPicPr>
+            <p:nvPr/>
+          </p:nvPicPr>
+          <p:blipFill>
+            <a:blip r:embed="rId2"/>
+            <a:stretch>
+              <a:fillRect/>
+            </a:stretch>
+          </p:blipFill>
+          <p:spPr>
+            <a:xfrm>
+              <a:off x="1212356" y="1005188"/>
+              <a:ext cx="528934" cy="386884"/>
+            </a:xfrm>
+            <a:prstGeom prst="rect">
+              <a:avLst/>
+            </a:prstGeom>
+            <a:ln w="6350">
+              <a:solidFill>
+                <a:schemeClr val="bg1"/>
+              </a:solidFill>
+            </a:ln>
+          </p:spPr>
+        </p:pic>
+        <p:cxnSp>
+          <p:nvCxnSpPr>
+            <p:cNvPr id="47" name="Straight Connector 46">
+              <a:extLst>
+                <a:ext uri="{FF2B5EF4-FFF2-40B4-BE49-F238E27FC236}">
+                  <a16:creationId xmlns:a16="http://schemas.microsoft.com/office/drawing/2014/main" id="{DAF304AF-CE5D-B629-2EAF-E264CE8A3F5C}"/>
+                </a:ext>
+              </a:extLst>
+            </p:cNvPr>
+            <p:cNvCxnSpPr>
+              <a:cxnSpLocks/>
+            </p:cNvCxnSpPr>
+            <p:nvPr/>
+          </p:nvCxnSpPr>
+          <p:spPr>
+            <a:xfrm flipH="1">
+              <a:off x="3322556" y="5615190"/>
+              <a:ext cx="3363216" cy="0"/>
+            </a:xfrm>
+            <a:prstGeom prst="line">
+              <a:avLst/>
+            </a:prstGeom>
+            <a:ln w="6350">
+              <a:solidFill>
+                <a:srgbClr val="FFFF00"/>
+              </a:solidFill>
+            </a:ln>
+          </p:spPr>
+          <p:style>
+            <a:lnRef idx="2">
+              <a:schemeClr val="accent4"/>
+            </a:lnRef>
+            <a:fillRef idx="0">
+              <a:schemeClr val="accent4"/>
+            </a:fillRef>
+            <a:effectRef idx="1">
+              <a:schemeClr val="accent4"/>
+            </a:effectRef>
+            <a:fontRef idx="minor">
+              <a:schemeClr val="tx1"/>
+            </a:fontRef>
+          </p:style>
+        </p:cxnSp>
+        <p:cxnSp>
+          <p:nvCxnSpPr>
+            <p:cNvPr id="49" name="Straight Connector 48">
+              <a:extLst>
+                <a:ext uri="{FF2B5EF4-FFF2-40B4-BE49-F238E27FC236}">
+                  <a16:creationId xmlns:a16="http://schemas.microsoft.com/office/drawing/2014/main" id="{ED3B1BF0-2F91-C433-E26E-84FA357B1AA8}"/>
+                </a:ext>
+              </a:extLst>
+            </p:cNvPr>
+            <p:cNvCxnSpPr>
+              <a:cxnSpLocks/>
+            </p:cNvCxnSpPr>
+            <p:nvPr/>
+          </p:nvCxnSpPr>
+          <p:spPr>
+            <a:xfrm flipH="1">
+              <a:off x="2050002" y="1115059"/>
+              <a:ext cx="4626943" cy="0"/>
+            </a:xfrm>
+            <a:prstGeom prst="line">
+              <a:avLst/>
+            </a:prstGeom>
+            <a:ln w="6350">
+              <a:solidFill>
+                <a:srgbClr val="FFFF00"/>
+              </a:solidFill>
+            </a:ln>
+          </p:spPr>
+          <p:style>
+            <a:lnRef idx="2">
+              <a:schemeClr val="accent4"/>
+            </a:lnRef>
+            <a:fillRef idx="0">
+              <a:schemeClr val="accent4"/>
+            </a:fillRef>
+            <a:effectRef idx="1">
+              <a:schemeClr val="accent4"/>
+            </a:effectRef>
+            <a:fontRef idx="minor">
+              <a:schemeClr val="tx1"/>
+            </a:fontRef>
+          </p:style>
+        </p:cxnSp>
+        <p:cxnSp>
+          <p:nvCxnSpPr>
+            <p:cNvPr id="52" name="Straight Arrow Connector 51">
+              <a:extLst>
+                <a:ext uri="{FF2B5EF4-FFF2-40B4-BE49-F238E27FC236}">
+                  <a16:creationId xmlns:a16="http://schemas.microsoft.com/office/drawing/2014/main" id="{67ED213D-C835-A160-55E2-1ADE4C664F5A}"/>
+                </a:ext>
+              </a:extLst>
+            </p:cNvPr>
+            <p:cNvCxnSpPr>
+              <a:cxnSpLocks/>
+            </p:cNvCxnSpPr>
+            <p:nvPr/>
+          </p:nvCxnSpPr>
+          <p:spPr>
+            <a:xfrm flipV="1">
+              <a:off x="2095751" y="1230818"/>
+              <a:ext cx="114750" cy="3951847"/>
+            </a:xfrm>
+            <a:prstGeom prst="straightConnector1">
+              <a:avLst/>
+            </a:prstGeom>
+            <a:ln>
+              <a:solidFill>
+                <a:srgbClr val="00B0F0"/>
+              </a:solidFill>
+              <a:tailEnd type="triangle"/>
+            </a:ln>
+          </p:spPr>
+          <p:style>
+            <a:lnRef idx="2">
+              <a:schemeClr val="accent1"/>
+            </a:lnRef>
+            <a:fillRef idx="0">
+              <a:schemeClr val="accent1"/>
+            </a:fillRef>
+            <a:effectRef idx="1">
+              <a:schemeClr val="accent1"/>
+            </a:effectRef>
+            <a:fontRef idx="minor">
+              <a:schemeClr val="tx1"/>
+            </a:fontRef>
+          </p:style>
+        </p:cxnSp>
+        <p:cxnSp>
+          <p:nvCxnSpPr>
+            <p:cNvPr id="55" name="Straight Arrow Connector 54">
+              <a:extLst>
+                <a:ext uri="{FF2B5EF4-FFF2-40B4-BE49-F238E27FC236}">
+                  <a16:creationId xmlns:a16="http://schemas.microsoft.com/office/drawing/2014/main" id="{DD33EE7D-AA23-17CD-ED7C-1377C69F26E5}"/>
+                </a:ext>
+              </a:extLst>
+            </p:cNvPr>
+            <p:cNvCxnSpPr>
+              <a:cxnSpLocks/>
+            </p:cNvCxnSpPr>
+            <p:nvPr/>
+          </p:nvCxnSpPr>
+          <p:spPr>
+            <a:xfrm flipV="1">
+              <a:off x="6209116" y="484590"/>
+              <a:ext cx="79443" cy="567553"/>
+            </a:xfrm>
+            <a:prstGeom prst="straightConnector1">
+              <a:avLst/>
+            </a:prstGeom>
+            <a:ln>
+              <a:solidFill>
+                <a:srgbClr val="00B0F0"/>
+              </a:solidFill>
+              <a:tailEnd type="triangle"/>
+            </a:ln>
+          </p:spPr>
+          <p:style>
+            <a:lnRef idx="2">
+              <a:schemeClr val="accent1"/>
+            </a:lnRef>
+            <a:fillRef idx="0">
+              <a:schemeClr val="accent1"/>
+            </a:fillRef>
+            <a:effectRef idx="1">
+              <a:schemeClr val="accent1"/>
+            </a:effectRef>
+            <a:fontRef idx="minor">
+              <a:schemeClr val="tx1"/>
+            </a:fontRef>
+          </p:style>
+        </p:cxnSp>
+        <p:sp>
+          <p:nvSpPr>
+            <p:cNvPr id="58" name="TextBox 57">
+              <a:extLst>
+                <a:ext uri="{FF2B5EF4-FFF2-40B4-BE49-F238E27FC236}">
+                  <a16:creationId xmlns:a16="http://schemas.microsoft.com/office/drawing/2014/main" id="{B51945AB-D1D3-42BA-20CD-23CD09023CDA}"/>
+                </a:ext>
+              </a:extLst>
+            </p:cNvPr>
+            <p:cNvSpPr txBox="1"/>
+            <p:nvPr/>
+          </p:nvSpPr>
+          <p:spPr>
+            <a:xfrm>
+              <a:off x="2175191" y="347958"/>
+              <a:ext cx="3980961" cy="759527"/>
+            </a:xfrm>
+            <a:prstGeom prst="rect">
+              <a:avLst/>
+            </a:prstGeom>
+            <a:noFill/>
+          </p:spPr>
+          <p:txBody>
+            <a:bodyPr wrap="square" rtlCol="0">
+              <a:spAutoFit/>
+            </a:bodyPr>
+            <a:lstStyle/>
+            <a:p>
+              <a:pPr algn="r"/>
+              <a:r>
+                <a:rPr lang="en-US" sz="1600" dirty="0">
+                  <a:solidFill>
+                    <a:schemeClr val="bg1"/>
+                  </a:solidFill>
+                </a:rPr>
+                <a:t>16 x $50 = $800</a:t>
+              </a:r>
+            </a:p>
+            <a:p>
+              <a:pPr algn="r"/>
+              <a:r>
+                <a:rPr lang="en-US" sz="1600" dirty="0">
+                  <a:solidFill>
+                    <a:schemeClr val="bg1"/>
+                  </a:solidFill>
+                </a:rPr>
+                <a:t>$800+ $50  = $850 </a:t>
+              </a:r>
+              <a:endParaRPr lang="en-AU" sz="1600" dirty="0">
+                <a:solidFill>
+                  <a:schemeClr val="bg1"/>
+                </a:solidFill>
+              </a:endParaRPr>
+            </a:p>
+          </p:txBody>
+        </p:sp>
+        <p:sp>
+          <p:nvSpPr>
+            <p:cNvPr id="59" name="TextBox 58">
+              <a:extLst>
+                <a:ext uri="{FF2B5EF4-FFF2-40B4-BE49-F238E27FC236}">
+                  <a16:creationId xmlns:a16="http://schemas.microsoft.com/office/drawing/2014/main" id="{CD73A40B-CEE6-9235-8CB5-E632F2731107}"/>
+                </a:ext>
+              </a:extLst>
+            </p:cNvPr>
+            <p:cNvSpPr txBox="1"/>
+            <p:nvPr/>
+          </p:nvSpPr>
+          <p:spPr>
+            <a:xfrm>
+              <a:off x="1043873" y="3146115"/>
+              <a:ext cx="736375" cy="461665"/>
+            </a:xfrm>
+            <a:prstGeom prst="rect">
+              <a:avLst/>
+            </a:prstGeom>
+            <a:noFill/>
+          </p:spPr>
+          <p:txBody>
+            <a:bodyPr wrap="square" rtlCol="0">
+              <a:spAutoFit/>
+            </a:bodyPr>
+            <a:lstStyle/>
+            <a:p>
+              <a:pPr algn="r"/>
+              <a:r>
+                <a:rPr lang="en-US" sz="2400" dirty="0">
+                  <a:solidFill>
+                    <a:schemeClr val="bg1"/>
+                  </a:solidFill>
+                </a:rPr>
+                <a:t>16x</a:t>
+              </a:r>
+              <a:endParaRPr lang="en-AU" sz="2400" dirty="0">
+                <a:solidFill>
+                  <a:schemeClr val="bg1"/>
+                </a:solidFill>
+              </a:endParaRPr>
+            </a:p>
+          </p:txBody>
+        </p:sp>
+      </p:grpSp>
+    </p:spTree>
+    <p:extLst>
+      <p:ext uri="{BB962C8B-B14F-4D97-AF65-F5344CB8AC3E}">
+        <p14:creationId xmlns:p14="http://schemas.microsoft.com/office/powerpoint/2010/main" val="822050611"/>
+      </p:ext>
+    </p:extLst>
+  </p:cSld>
+  <p:clrMapOvr>
+    <a:masterClrMapping/>
+  </p:clrMapOvr>
+</p:sld>
+</file>
+
 <file path=ppt/theme/theme1.xml><?xml version="1.0" encoding="utf-8"?>
 <a:theme xmlns:a="http://schemas.openxmlformats.org/drawingml/2006/main" name="Office Theme">
   <a:themeElements>
